--- a/DAY2/linuxIS_KB2.pptx
+++ b/DAY2/linuxIS_KB2.pptx
@@ -5,7 +5,7 @@
     <p:sldMasterId id="2147483648" r:id="rId1"/>
   </p:sldMasterIdLst>
   <p:notesMasterIdLst>
-    <p:notesMasterId r:id="rId11"/>
+    <p:notesMasterId r:id="rId13"/>
   </p:notesMasterIdLst>
   <p:sldIdLst>
     <p:sldId id="256" r:id="rId2"/>
@@ -17,6 +17,8 @@
     <p:sldId id="268" r:id="rId8"/>
     <p:sldId id="272" r:id="rId9"/>
     <p:sldId id="273" r:id="rId10"/>
+    <p:sldId id="274" r:id="rId11"/>
+    <p:sldId id="275" r:id="rId12"/>
   </p:sldIdLst>
   <p:sldSz cx="12192000" cy="6858000"/>
   <p:notesSz cx="6858000" cy="9144000"/>
@@ -3933,6 +3935,430 @@
         </p:txBody>
       </p:sp>
     </p:spTree>
+  </p:cSld>
+  <p:clrMapOvr>
+    <a:masterClrMapping/>
+  </p:clrMapOvr>
+</p:sld>
+</file>
+
+<file path=ppt/slides/slide10.xml><?xml version="1.0" encoding="utf-8"?>
+<p:sld xmlns:a="http://schemas.openxmlformats.org/drawingml/2006/main" xmlns:r="http://schemas.openxmlformats.org/officeDocument/2006/relationships" xmlns:p="http://schemas.openxmlformats.org/presentationml/2006/main">
+  <p:cSld>
+    <p:spTree>
+      <p:nvGrpSpPr>
+        <p:cNvPr id="1" name=""/>
+        <p:cNvGrpSpPr/>
+        <p:nvPr/>
+      </p:nvGrpSpPr>
+      <p:grpSpPr>
+        <a:xfrm>
+          <a:off x="0" y="0"/>
+          <a:ext cx="0" cy="0"/>
+          <a:chOff x="0" y="0"/>
+          <a:chExt cx="0" cy="0"/>
+        </a:xfrm>
+      </p:grpSpPr>
+      <p:sp>
+        <p:nvSpPr>
+          <p:cNvPr id="2" name="Title 1">
+            <a:extLst>
+              <a:ext uri="{FF2B5EF4-FFF2-40B4-BE49-F238E27FC236}">
+                <a16:creationId xmlns:a16="http://schemas.microsoft.com/office/drawing/2014/main" id="{2109FF1A-3A85-A22B-E873-DCF3F7EF28E8}"/>
+              </a:ext>
+            </a:extLst>
+          </p:cNvPr>
+          <p:cNvSpPr>
+            <a:spLocks noGrp="1"/>
+          </p:cNvSpPr>
+          <p:nvPr>
+            <p:ph type="title"/>
+          </p:nvPr>
+        </p:nvSpPr>
+        <p:spPr/>
+        <p:txBody>
+          <a:bodyPr/>
+          <a:lstStyle/>
+          <a:p>
+            <a:r>
+              <a:rPr lang="en-AU" b="1" dirty="0"/>
+              <a:t>commands by category</a:t>
+            </a:r>
+            <a:endParaRPr lang="en-AU" dirty="0"/>
+          </a:p>
+        </p:txBody>
+      </p:sp>
+      <p:sp>
+        <p:nvSpPr>
+          <p:cNvPr id="3" name="Content Placeholder 2">
+            <a:extLst>
+              <a:ext uri="{FF2B5EF4-FFF2-40B4-BE49-F238E27FC236}">
+                <a16:creationId xmlns:a16="http://schemas.microsoft.com/office/drawing/2014/main" id="{514B74BD-F6C3-548F-5E3F-550BD8FB6288}"/>
+              </a:ext>
+            </a:extLst>
+          </p:cNvPr>
+          <p:cNvSpPr>
+            <a:spLocks noGrp="1"/>
+          </p:cNvSpPr>
+          <p:nvPr>
+            <p:ph idx="1"/>
+          </p:nvPr>
+        </p:nvSpPr>
+        <p:spPr/>
+        <p:txBody>
+          <a:bodyPr>
+            <a:normAutofit fontScale="85000" lnSpcReduction="10000"/>
+          </a:bodyPr>
+          <a:lstStyle/>
+          <a:p>
+            <a:r>
+              <a:rPr lang="en-AU" b="1" dirty="0"/>
+              <a:t>Quick reference:  </a:t>
+            </a:r>
+          </a:p>
+          <a:p>
+            <a:r>
+              <a:rPr lang="en-AU" dirty="0"/>
+              <a:t>FS &amp; files: ls, cd, cp, mv, rm, </a:t>
+            </a:r>
+            <a:r>
+              <a:rPr lang="en-AU" dirty="0" err="1"/>
+              <a:t>chmod</a:t>
+            </a:r>
+            <a:r>
+              <a:rPr lang="en-AU" dirty="0"/>
+              <a:t>, </a:t>
+            </a:r>
+            <a:r>
+              <a:rPr lang="en-AU" dirty="0" err="1"/>
+              <a:t>chown</a:t>
+            </a:r>
+            <a:r>
+              <a:rPr lang="en-AU" dirty="0"/>
+              <a:t>, mount, </a:t>
+            </a:r>
+            <a:r>
+              <a:rPr lang="en-AU" dirty="0" err="1"/>
+              <a:t>umount</a:t>
+            </a:r>
+            <a:r>
+              <a:rPr lang="en-AU" dirty="0"/>
+              <a:t>, </a:t>
+            </a:r>
+            <a:r>
+              <a:rPr lang="en-AU" dirty="0" err="1"/>
+              <a:t>df</a:t>
+            </a:r>
+            <a:r>
+              <a:rPr lang="en-AU" dirty="0"/>
+              <a:t>, du</a:t>
+            </a:r>
+          </a:p>
+          <a:p>
+            <a:r>
+              <a:rPr lang="en-AU" dirty="0"/>
+              <a:t>Processes &amp; services: </a:t>
+            </a:r>
+            <a:r>
+              <a:rPr lang="en-AU" dirty="0" err="1"/>
+              <a:t>ps</a:t>
+            </a:r>
+            <a:r>
+              <a:rPr lang="en-AU" dirty="0"/>
+              <a:t>, top, </a:t>
+            </a:r>
+            <a:r>
+              <a:rPr lang="en-AU" dirty="0" err="1"/>
+              <a:t>htop</a:t>
+            </a:r>
+            <a:r>
+              <a:rPr lang="en-AU" dirty="0"/>
+              <a:t>, </a:t>
+            </a:r>
+            <a:r>
+              <a:rPr lang="en-AU" dirty="0" err="1"/>
+              <a:t>pgrep</a:t>
+            </a:r>
+            <a:r>
+              <a:rPr lang="en-AU" dirty="0"/>
+              <a:t>, </a:t>
+            </a:r>
+            <a:r>
+              <a:rPr lang="en-AU" dirty="0" err="1"/>
+              <a:t>pkill</a:t>
+            </a:r>
+            <a:r>
+              <a:rPr lang="en-AU" dirty="0"/>
+              <a:t>, </a:t>
+            </a:r>
+            <a:r>
+              <a:rPr lang="en-AU" dirty="0" err="1"/>
+              <a:t>systemctl</a:t>
+            </a:r>
+            <a:r>
+              <a:rPr lang="en-AU" dirty="0"/>
+              <a:t>, </a:t>
+            </a:r>
+            <a:r>
+              <a:rPr lang="en-AU" dirty="0" err="1"/>
+              <a:t>journalctl</a:t>
+            </a:r>
+            <a:endParaRPr lang="en-AU" dirty="0"/>
+          </a:p>
+          <a:p>
+            <a:r>
+              <a:rPr lang="en-AU" dirty="0"/>
+              <a:t>Networking: </a:t>
+            </a:r>
+            <a:r>
+              <a:rPr lang="en-AU" dirty="0" err="1"/>
+              <a:t>ip</a:t>
+            </a:r>
+            <a:r>
+              <a:rPr lang="en-AU" dirty="0"/>
+              <a:t>, ss, ping, curl, dig, </a:t>
+            </a:r>
+            <a:r>
+              <a:rPr lang="en-AU" dirty="0" err="1"/>
+              <a:t>tcpdump</a:t>
+            </a:r>
+            <a:r>
+              <a:rPr lang="en-AU" dirty="0"/>
+              <a:t> (optional)</a:t>
+            </a:r>
+          </a:p>
+          <a:p>
+            <a:r>
+              <a:rPr lang="en-AU" dirty="0"/>
+              <a:t>Packaging: apt, </a:t>
+            </a:r>
+            <a:r>
+              <a:rPr lang="en-AU" dirty="0" err="1"/>
+              <a:t>dpkg</a:t>
+            </a:r>
+            <a:r>
+              <a:rPr lang="en-AU" dirty="0"/>
+              <a:t>, </a:t>
+            </a:r>
+            <a:r>
+              <a:rPr lang="en-AU" dirty="0" err="1"/>
+              <a:t>dnf</a:t>
+            </a:r>
+            <a:r>
+              <a:rPr lang="en-AU" dirty="0"/>
+              <a:t>, rpm</a:t>
+            </a:r>
+          </a:p>
+          <a:p>
+            <a:r>
+              <a:rPr lang="en-AU" dirty="0"/>
+              <a:t>Text &amp; search: grep, awk, sed, find, locate, man</a:t>
+            </a:r>
+          </a:p>
+          <a:p>
+            <a:r>
+              <a:rPr lang="en-AU" dirty="0"/>
+              <a:t>Shell &amp; scripting: bash, </a:t>
+            </a:r>
+            <a:r>
+              <a:rPr lang="en-AU" dirty="0" err="1"/>
+              <a:t>chmod</a:t>
+            </a:r>
+            <a:r>
+              <a:rPr lang="en-AU" dirty="0"/>
+              <a:t> +x, crontab, set -</a:t>
+            </a:r>
+            <a:r>
+              <a:rPr lang="en-AU" dirty="0" err="1"/>
+              <a:t>euo</a:t>
+            </a:r>
+            <a:r>
+              <a:rPr lang="en-AU" dirty="0"/>
+              <a:t> </a:t>
+            </a:r>
+            <a:r>
+              <a:rPr lang="en-AU" dirty="0" err="1"/>
+              <a:t>pipefail</a:t>
+            </a:r>
+            <a:endParaRPr lang="en-AU" dirty="0"/>
+          </a:p>
+          <a:p>
+            <a:endParaRPr lang="en-AU" dirty="0"/>
+          </a:p>
+        </p:txBody>
+      </p:sp>
+    </p:spTree>
+    <p:extLst>
+      <p:ext uri="{BB962C8B-B14F-4D97-AF65-F5344CB8AC3E}">
+        <p14:creationId xmlns:p14="http://schemas.microsoft.com/office/powerpoint/2010/main" val="1156037164"/>
+      </p:ext>
+    </p:extLst>
+  </p:cSld>
+  <p:clrMapOvr>
+    <a:masterClrMapping/>
+  </p:clrMapOvr>
+</p:sld>
+</file>
+
+<file path=ppt/slides/slide11.xml><?xml version="1.0" encoding="utf-8"?>
+<p:sld xmlns:a="http://schemas.openxmlformats.org/drawingml/2006/main" xmlns:r="http://schemas.openxmlformats.org/officeDocument/2006/relationships" xmlns:p="http://schemas.openxmlformats.org/presentationml/2006/main">
+  <p:cSld>
+    <p:spTree>
+      <p:nvGrpSpPr>
+        <p:cNvPr id="1" name=""/>
+        <p:cNvGrpSpPr/>
+        <p:nvPr/>
+      </p:nvGrpSpPr>
+      <p:grpSpPr>
+        <a:xfrm>
+          <a:off x="0" y="0"/>
+          <a:ext cx="0" cy="0"/>
+          <a:chOff x="0" y="0"/>
+          <a:chExt cx="0" cy="0"/>
+        </a:xfrm>
+      </p:grpSpPr>
+      <p:sp>
+        <p:nvSpPr>
+          <p:cNvPr id="2" name="Title 1">
+            <a:extLst>
+              <a:ext uri="{FF2B5EF4-FFF2-40B4-BE49-F238E27FC236}">
+                <a16:creationId xmlns:a16="http://schemas.microsoft.com/office/drawing/2014/main" id="{A5557F22-73D5-EF41-264E-8976CCA1191C}"/>
+              </a:ext>
+            </a:extLst>
+          </p:cNvPr>
+          <p:cNvSpPr>
+            <a:spLocks noGrp="1"/>
+          </p:cNvSpPr>
+          <p:nvPr>
+            <p:ph type="title"/>
+          </p:nvPr>
+        </p:nvSpPr>
+        <p:spPr/>
+        <p:txBody>
+          <a:bodyPr/>
+          <a:lstStyle/>
+          <a:p>
+            <a:r>
+              <a:rPr lang="en-AU" dirty="0"/>
+              <a:t>Quick </a:t>
+            </a:r>
+            <a:r>
+              <a:rPr lang="en-AU" dirty="0" err="1"/>
+              <a:t>prac</a:t>
+            </a:r>
+            <a:endParaRPr lang="en-AU" dirty="0"/>
+          </a:p>
+        </p:txBody>
+      </p:sp>
+      <p:sp>
+        <p:nvSpPr>
+          <p:cNvPr id="3" name="Content Placeholder 2">
+            <a:extLst>
+              <a:ext uri="{FF2B5EF4-FFF2-40B4-BE49-F238E27FC236}">
+                <a16:creationId xmlns:a16="http://schemas.microsoft.com/office/drawing/2014/main" id="{81A9845D-9688-2CC9-0B43-43AE348271EB}"/>
+              </a:ext>
+            </a:extLst>
+          </p:cNvPr>
+          <p:cNvSpPr>
+            <a:spLocks noGrp="1"/>
+          </p:cNvSpPr>
+          <p:nvPr>
+            <p:ph idx="1"/>
+          </p:nvPr>
+        </p:nvSpPr>
+        <p:spPr/>
+        <p:txBody>
+          <a:bodyPr>
+            <a:normAutofit fontScale="85000" lnSpcReduction="20000"/>
+          </a:bodyPr>
+          <a:lstStyle/>
+          <a:p>
+            <a:pPr fontAlgn="base"/>
+            <a:r>
+              <a:rPr lang="en-US" b="1" dirty="0"/>
+              <a:t>id -u</a:t>
+            </a:r>
+            <a:br>
+              <a:rPr lang="en-US" dirty="0"/>
+            </a:br>
+            <a:r>
+              <a:rPr lang="en-US" dirty="0"/>
+              <a:t>Prints your numeric user ID (1000 in your case).</a:t>
+            </a:r>
+          </a:p>
+          <a:p>
+            <a:r>
+              <a:rPr lang="en-AU" dirty="0" err="1"/>
+              <a:t>Whoami</a:t>
+            </a:r>
+            <a:endParaRPr lang="en-AU" dirty="0"/>
+          </a:p>
+          <a:p>
+            <a:r>
+              <a:rPr lang="en-AU" dirty="0"/>
+              <a:t>cat</a:t>
+            </a:r>
+          </a:p>
+          <a:p>
+            <a:r>
+              <a:rPr lang="en-AU" dirty="0"/>
+              <a:t> grep "$(</a:t>
+            </a:r>
+            <a:r>
+              <a:rPr lang="en-AU" dirty="0" err="1"/>
+              <a:t>whoami</a:t>
+            </a:r>
+            <a:r>
+              <a:rPr lang="en-AU" dirty="0"/>
+              <a:t>)" /etc/passwd</a:t>
+            </a:r>
+          </a:p>
+          <a:p>
+            <a:r>
+              <a:rPr lang="en-US" dirty="0"/>
+              <a:t>pronabpartha:x:1000:1003::/home/</a:t>
+            </a:r>
+            <a:r>
+              <a:rPr lang="en-US" dirty="0" err="1"/>
+              <a:t>pronabpartha</a:t>
+            </a:r>
+            <a:r>
+              <a:rPr lang="en-US" dirty="0"/>
+              <a:t>:/bin/bash</a:t>
+            </a:r>
+            <a:endParaRPr lang="en-AU" dirty="0"/>
+          </a:p>
+          <a:p>
+            <a:r>
+              <a:rPr lang="en-US" dirty="0"/>
+              <a:t>This line defines a user named </a:t>
+            </a:r>
+            <a:r>
+              <a:rPr lang="en-US" dirty="0" err="1"/>
+              <a:t>pronabpartha</a:t>
+            </a:r>
+            <a:r>
+              <a:rPr lang="en-US" dirty="0"/>
+              <a:t> with UID 1000, belonging to GID 1003, using /bin/bash as their login shell and having their home directory at /home/</a:t>
+            </a:r>
+            <a:r>
+              <a:rPr lang="en-US" dirty="0" err="1"/>
+              <a:t>pronabpartha</a:t>
+            </a:r>
+            <a:r>
+              <a:rPr lang="en-US" dirty="0"/>
+              <a:t>.</a:t>
+            </a:r>
+            <a:endParaRPr lang="en-AU" dirty="0"/>
+          </a:p>
+        </p:txBody>
+      </p:sp>
+    </p:spTree>
+    <p:extLst>
+      <p:ext uri="{BB962C8B-B14F-4D97-AF65-F5344CB8AC3E}">
+        <p14:creationId xmlns:p14="http://schemas.microsoft.com/office/powerpoint/2010/main" val="961178377"/>
+      </p:ext>
+    </p:extLst>
   </p:cSld>
   <p:clrMapOvr>
     <a:masterClrMapping/>
